--- a/ppt 16-9/0645.这么大的救恩.pptx
+++ b/ppt 16-9/0645.这么大的救恩.pptx
@@ -129,7 +129,7 @@
           <p:cNvPr id="2" name="标题 1">
             <a:extLst>
               <a:ext uri="{FF2B5EF4-FFF2-40B4-BE49-F238E27FC236}">
-                <a16:creationId xmlns:a16="http://schemas.microsoft.com/office/drawing/2014/main" id="{643A1724-DC44-C535-7E86-1C38B288A5AF}"/>
+                <a16:creationId xmlns:a16="http://schemas.microsoft.com/office/drawing/2014/main" id="{ECB916E4-7B52-4D71-B28F-AF0DE47AF8F6}"/>
               </a:ext>
             </a:extLst>
           </p:cNvPr>
@@ -166,7 +166,7 @@
           <p:cNvPr id="3" name="副标题 2">
             <a:extLst>
               <a:ext uri="{FF2B5EF4-FFF2-40B4-BE49-F238E27FC236}">
-                <a16:creationId xmlns:a16="http://schemas.microsoft.com/office/drawing/2014/main" id="{53954D91-6444-6D51-E10C-8613B3699DA7}"/>
+                <a16:creationId xmlns:a16="http://schemas.microsoft.com/office/drawing/2014/main" id="{5DE2FDE8-4E4D-8774-7A49-A10DA889C619}"/>
               </a:ext>
             </a:extLst>
           </p:cNvPr>
@@ -236,7 +236,7 @@
           <p:cNvPr id="4" name="日期占位符 3">
             <a:extLst>
               <a:ext uri="{FF2B5EF4-FFF2-40B4-BE49-F238E27FC236}">
-                <a16:creationId xmlns:a16="http://schemas.microsoft.com/office/drawing/2014/main" id="{8BC20448-286B-D287-7653-7D9E841208FC}"/>
+                <a16:creationId xmlns:a16="http://schemas.microsoft.com/office/drawing/2014/main" id="{B3C97146-2709-8C5D-96B2-AC6618C6EFAD}"/>
               </a:ext>
             </a:extLst>
           </p:cNvPr>
@@ -252,7 +252,7 @@
           <a:bodyPr/>
           <a:lstStyle/>
           <a:p>
-            <a:fld id="{563C9A11-E4EB-4513-90A7-DF4271158CC1}" type="datetimeFigureOut">
+            <a:fld id="{89580BE8-7C5E-49F0-A9F1-4BEDD3408DBF}" type="datetimeFigureOut">
               <a:rPr lang="zh-CN" altLang="en-US" smtClean="0"/>
               <a:t>2024/3/10</a:t>
             </a:fld>
@@ -265,7 +265,7 @@
           <p:cNvPr id="5" name="页脚占位符 4">
             <a:extLst>
               <a:ext uri="{FF2B5EF4-FFF2-40B4-BE49-F238E27FC236}">
-                <a16:creationId xmlns:a16="http://schemas.microsoft.com/office/drawing/2014/main" id="{5A3829E0-2B64-60FD-2DA7-7DACEA3FB9F7}"/>
+                <a16:creationId xmlns:a16="http://schemas.microsoft.com/office/drawing/2014/main" id="{2FF45A30-7C95-71CD-009D-6600D78F1530}"/>
               </a:ext>
             </a:extLst>
           </p:cNvPr>
@@ -290,7 +290,7 @@
           <p:cNvPr id="6" name="灯片编号占位符 5">
             <a:extLst>
               <a:ext uri="{FF2B5EF4-FFF2-40B4-BE49-F238E27FC236}">
-                <a16:creationId xmlns:a16="http://schemas.microsoft.com/office/drawing/2014/main" id="{17E4A4E5-9E48-04AC-1F7A-ACEBC78922E4}"/>
+                <a16:creationId xmlns:a16="http://schemas.microsoft.com/office/drawing/2014/main" id="{497A88A0-77EC-D8ED-0ABE-3551B67B2632}"/>
               </a:ext>
             </a:extLst>
           </p:cNvPr>
@@ -306,7 +306,7 @@
           <a:bodyPr/>
           <a:lstStyle/>
           <a:p>
-            <a:fld id="{32A934DD-0EE2-42BA-ACEA-C559D9AD0B71}" type="slidenum">
+            <a:fld id="{4B556FC5-33F9-4CA3-B7C2-8F0C36ADAF8E}" type="slidenum">
               <a:rPr lang="zh-CN" altLang="en-US" smtClean="0"/>
               <a:t>‹#›</a:t>
             </a:fld>
@@ -317,7 +317,7 @@
     </p:spTree>
     <p:extLst>
       <p:ext uri="{BB962C8B-B14F-4D97-AF65-F5344CB8AC3E}">
-        <p14:creationId xmlns:p14="http://schemas.microsoft.com/office/powerpoint/2010/main" val="1023080049"/>
+        <p14:creationId xmlns:p14="http://schemas.microsoft.com/office/powerpoint/2010/main" val="2642108277"/>
       </p:ext>
     </p:extLst>
   </p:cSld>
@@ -349,7 +349,7 @@
           <p:cNvPr id="2" name="标题 1">
             <a:extLst>
               <a:ext uri="{FF2B5EF4-FFF2-40B4-BE49-F238E27FC236}">
-                <a16:creationId xmlns:a16="http://schemas.microsoft.com/office/drawing/2014/main" id="{1B09FE61-1A6C-4335-C904-50BEA820E550}"/>
+                <a16:creationId xmlns:a16="http://schemas.microsoft.com/office/drawing/2014/main" id="{F6AFFCE7-43B3-5A82-6B5A-C9A0B10EFBE5}"/>
               </a:ext>
             </a:extLst>
           </p:cNvPr>
@@ -377,7 +377,7 @@
           <p:cNvPr id="3" name="竖排文字占位符 2">
             <a:extLst>
               <a:ext uri="{FF2B5EF4-FFF2-40B4-BE49-F238E27FC236}">
-                <a16:creationId xmlns:a16="http://schemas.microsoft.com/office/drawing/2014/main" id="{3829D3DB-B734-0E7E-76A3-4620DCD4CB18}"/>
+                <a16:creationId xmlns:a16="http://schemas.microsoft.com/office/drawing/2014/main" id="{67C3AE23-DCE3-1250-0224-C1C88300B47B}"/>
               </a:ext>
             </a:extLst>
           </p:cNvPr>
@@ -434,7 +434,7 @@
           <p:cNvPr id="4" name="日期占位符 3">
             <a:extLst>
               <a:ext uri="{FF2B5EF4-FFF2-40B4-BE49-F238E27FC236}">
-                <a16:creationId xmlns:a16="http://schemas.microsoft.com/office/drawing/2014/main" id="{603E8AD9-B16B-2FB9-80B8-BB5305CE4B20}"/>
+                <a16:creationId xmlns:a16="http://schemas.microsoft.com/office/drawing/2014/main" id="{39403620-A153-FD5A-FC42-021AA8F14B57}"/>
               </a:ext>
             </a:extLst>
           </p:cNvPr>
@@ -450,7 +450,7 @@
           <a:bodyPr/>
           <a:lstStyle/>
           <a:p>
-            <a:fld id="{563C9A11-E4EB-4513-90A7-DF4271158CC1}" type="datetimeFigureOut">
+            <a:fld id="{89580BE8-7C5E-49F0-A9F1-4BEDD3408DBF}" type="datetimeFigureOut">
               <a:rPr lang="zh-CN" altLang="en-US" smtClean="0"/>
               <a:t>2024/3/10</a:t>
             </a:fld>
@@ -463,7 +463,7 @@
           <p:cNvPr id="5" name="页脚占位符 4">
             <a:extLst>
               <a:ext uri="{FF2B5EF4-FFF2-40B4-BE49-F238E27FC236}">
-                <a16:creationId xmlns:a16="http://schemas.microsoft.com/office/drawing/2014/main" id="{2303ED51-C469-ADD4-79E8-E6C7246EAB37}"/>
+                <a16:creationId xmlns:a16="http://schemas.microsoft.com/office/drawing/2014/main" id="{081EE3FE-DA29-735F-9AFE-3D22AEAF852A}"/>
               </a:ext>
             </a:extLst>
           </p:cNvPr>
@@ -488,7 +488,7 @@
           <p:cNvPr id="6" name="灯片编号占位符 5">
             <a:extLst>
               <a:ext uri="{FF2B5EF4-FFF2-40B4-BE49-F238E27FC236}">
-                <a16:creationId xmlns:a16="http://schemas.microsoft.com/office/drawing/2014/main" id="{78F98FF0-8B2C-BA50-105F-A771B967FD9D}"/>
+                <a16:creationId xmlns:a16="http://schemas.microsoft.com/office/drawing/2014/main" id="{08B57DAB-BB96-6A65-6775-9DF5856236A5}"/>
               </a:ext>
             </a:extLst>
           </p:cNvPr>
@@ -504,7 +504,7 @@
           <a:bodyPr/>
           <a:lstStyle/>
           <a:p>
-            <a:fld id="{32A934DD-0EE2-42BA-ACEA-C559D9AD0B71}" type="slidenum">
+            <a:fld id="{4B556FC5-33F9-4CA3-B7C2-8F0C36ADAF8E}" type="slidenum">
               <a:rPr lang="zh-CN" altLang="en-US" smtClean="0"/>
               <a:t>‹#›</a:t>
             </a:fld>
@@ -515,7 +515,7 @@
     </p:spTree>
     <p:extLst>
       <p:ext uri="{BB962C8B-B14F-4D97-AF65-F5344CB8AC3E}">
-        <p14:creationId xmlns:p14="http://schemas.microsoft.com/office/powerpoint/2010/main" val="287285475"/>
+        <p14:creationId xmlns:p14="http://schemas.microsoft.com/office/powerpoint/2010/main" val="441204556"/>
       </p:ext>
     </p:extLst>
   </p:cSld>
@@ -547,7 +547,7 @@
           <p:cNvPr id="2" name="竖排标题 1">
             <a:extLst>
               <a:ext uri="{FF2B5EF4-FFF2-40B4-BE49-F238E27FC236}">
-                <a16:creationId xmlns:a16="http://schemas.microsoft.com/office/drawing/2014/main" id="{D3205F48-2C86-542A-6AA2-DFF6798FA8F4}"/>
+                <a16:creationId xmlns:a16="http://schemas.microsoft.com/office/drawing/2014/main" id="{E9972C32-670F-FFAA-DE8D-B7ED14B8DD1B}"/>
               </a:ext>
             </a:extLst>
           </p:cNvPr>
@@ -580,7 +580,7 @@
           <p:cNvPr id="3" name="竖排文字占位符 2">
             <a:extLst>
               <a:ext uri="{FF2B5EF4-FFF2-40B4-BE49-F238E27FC236}">
-                <a16:creationId xmlns:a16="http://schemas.microsoft.com/office/drawing/2014/main" id="{005DB0AF-BBCF-8855-C18D-BFB3A16D5A86}"/>
+                <a16:creationId xmlns:a16="http://schemas.microsoft.com/office/drawing/2014/main" id="{15B588B4-6232-410A-CD5C-5E36542705E7}"/>
               </a:ext>
             </a:extLst>
           </p:cNvPr>
@@ -642,7 +642,7 @@
           <p:cNvPr id="4" name="日期占位符 3">
             <a:extLst>
               <a:ext uri="{FF2B5EF4-FFF2-40B4-BE49-F238E27FC236}">
-                <a16:creationId xmlns:a16="http://schemas.microsoft.com/office/drawing/2014/main" id="{B6D7FDE6-D716-4632-EAE8-B81C4A22FF4B}"/>
+                <a16:creationId xmlns:a16="http://schemas.microsoft.com/office/drawing/2014/main" id="{A7AC5571-02D9-DDC0-1799-BCE80A905C49}"/>
               </a:ext>
             </a:extLst>
           </p:cNvPr>
@@ -658,7 +658,7 @@
           <a:bodyPr/>
           <a:lstStyle/>
           <a:p>
-            <a:fld id="{563C9A11-E4EB-4513-90A7-DF4271158CC1}" type="datetimeFigureOut">
+            <a:fld id="{89580BE8-7C5E-49F0-A9F1-4BEDD3408DBF}" type="datetimeFigureOut">
               <a:rPr lang="zh-CN" altLang="en-US" smtClean="0"/>
               <a:t>2024/3/10</a:t>
             </a:fld>
@@ -671,7 +671,7 @@
           <p:cNvPr id="5" name="页脚占位符 4">
             <a:extLst>
               <a:ext uri="{FF2B5EF4-FFF2-40B4-BE49-F238E27FC236}">
-                <a16:creationId xmlns:a16="http://schemas.microsoft.com/office/drawing/2014/main" id="{0036751A-A468-FFA7-BE45-C6C5280297FF}"/>
+                <a16:creationId xmlns:a16="http://schemas.microsoft.com/office/drawing/2014/main" id="{D264B905-36FA-D7CC-3F2E-7E311CC611F4}"/>
               </a:ext>
             </a:extLst>
           </p:cNvPr>
@@ -696,7 +696,7 @@
           <p:cNvPr id="6" name="灯片编号占位符 5">
             <a:extLst>
               <a:ext uri="{FF2B5EF4-FFF2-40B4-BE49-F238E27FC236}">
-                <a16:creationId xmlns:a16="http://schemas.microsoft.com/office/drawing/2014/main" id="{AC347F08-C25B-CE3C-5F63-D6DC6FC4EC33}"/>
+                <a16:creationId xmlns:a16="http://schemas.microsoft.com/office/drawing/2014/main" id="{91BF0EF8-51C5-98BB-259A-8B376B95041F}"/>
               </a:ext>
             </a:extLst>
           </p:cNvPr>
@@ -712,7 +712,7 @@
           <a:bodyPr/>
           <a:lstStyle/>
           <a:p>
-            <a:fld id="{32A934DD-0EE2-42BA-ACEA-C559D9AD0B71}" type="slidenum">
+            <a:fld id="{4B556FC5-33F9-4CA3-B7C2-8F0C36ADAF8E}" type="slidenum">
               <a:rPr lang="zh-CN" altLang="en-US" smtClean="0"/>
               <a:t>‹#›</a:t>
             </a:fld>
@@ -723,7 +723,7 @@
     </p:spTree>
     <p:extLst>
       <p:ext uri="{BB962C8B-B14F-4D97-AF65-F5344CB8AC3E}">
-        <p14:creationId xmlns:p14="http://schemas.microsoft.com/office/powerpoint/2010/main" val="2006131517"/>
+        <p14:creationId xmlns:p14="http://schemas.microsoft.com/office/powerpoint/2010/main" val="3656967154"/>
       </p:ext>
     </p:extLst>
   </p:cSld>
@@ -755,7 +755,7 @@
           <p:cNvPr id="2" name="标题 1">
             <a:extLst>
               <a:ext uri="{FF2B5EF4-FFF2-40B4-BE49-F238E27FC236}">
-                <a16:creationId xmlns:a16="http://schemas.microsoft.com/office/drawing/2014/main" id="{AA24563E-2F26-8511-86AA-20F6FD7BB3C5}"/>
+                <a16:creationId xmlns:a16="http://schemas.microsoft.com/office/drawing/2014/main" id="{BF85F4F4-8F37-3CF1-2925-C9FFA961BFD1}"/>
               </a:ext>
             </a:extLst>
           </p:cNvPr>
@@ -783,7 +783,7 @@
           <p:cNvPr id="3" name="内容占位符 2">
             <a:extLst>
               <a:ext uri="{FF2B5EF4-FFF2-40B4-BE49-F238E27FC236}">
-                <a16:creationId xmlns:a16="http://schemas.microsoft.com/office/drawing/2014/main" id="{5F40D5AC-2F08-60CB-B11A-B701E5EAE46A}"/>
+                <a16:creationId xmlns:a16="http://schemas.microsoft.com/office/drawing/2014/main" id="{2A830A7B-4E78-1945-5F7A-6DB63AB770BD}"/>
               </a:ext>
             </a:extLst>
           </p:cNvPr>
@@ -840,7 +840,7 @@
           <p:cNvPr id="4" name="日期占位符 3">
             <a:extLst>
               <a:ext uri="{FF2B5EF4-FFF2-40B4-BE49-F238E27FC236}">
-                <a16:creationId xmlns:a16="http://schemas.microsoft.com/office/drawing/2014/main" id="{803CF1E6-9A51-DACC-6BDE-29D3402E4890}"/>
+                <a16:creationId xmlns:a16="http://schemas.microsoft.com/office/drawing/2014/main" id="{54FDCCB3-AEC1-A72B-47EE-BB6106B80DE6}"/>
               </a:ext>
             </a:extLst>
           </p:cNvPr>
@@ -856,7 +856,7 @@
           <a:bodyPr/>
           <a:lstStyle/>
           <a:p>
-            <a:fld id="{563C9A11-E4EB-4513-90A7-DF4271158CC1}" type="datetimeFigureOut">
+            <a:fld id="{89580BE8-7C5E-49F0-A9F1-4BEDD3408DBF}" type="datetimeFigureOut">
               <a:rPr lang="zh-CN" altLang="en-US" smtClean="0"/>
               <a:t>2024/3/10</a:t>
             </a:fld>
@@ -869,7 +869,7 @@
           <p:cNvPr id="5" name="页脚占位符 4">
             <a:extLst>
               <a:ext uri="{FF2B5EF4-FFF2-40B4-BE49-F238E27FC236}">
-                <a16:creationId xmlns:a16="http://schemas.microsoft.com/office/drawing/2014/main" id="{B6768BCF-CF59-5F35-D487-D585107DA346}"/>
+                <a16:creationId xmlns:a16="http://schemas.microsoft.com/office/drawing/2014/main" id="{D6CB3544-8F18-7978-C1A6-349163955BDB}"/>
               </a:ext>
             </a:extLst>
           </p:cNvPr>
@@ -894,7 +894,7 @@
           <p:cNvPr id="6" name="灯片编号占位符 5">
             <a:extLst>
               <a:ext uri="{FF2B5EF4-FFF2-40B4-BE49-F238E27FC236}">
-                <a16:creationId xmlns:a16="http://schemas.microsoft.com/office/drawing/2014/main" id="{48569DAC-C295-EB40-0FE3-30A2F04CADB2}"/>
+                <a16:creationId xmlns:a16="http://schemas.microsoft.com/office/drawing/2014/main" id="{85C16342-D825-610E-5E57-FB3EF601828E}"/>
               </a:ext>
             </a:extLst>
           </p:cNvPr>
@@ -910,7 +910,7 @@
           <a:bodyPr/>
           <a:lstStyle/>
           <a:p>
-            <a:fld id="{32A934DD-0EE2-42BA-ACEA-C559D9AD0B71}" type="slidenum">
+            <a:fld id="{4B556FC5-33F9-4CA3-B7C2-8F0C36ADAF8E}" type="slidenum">
               <a:rPr lang="zh-CN" altLang="en-US" smtClean="0"/>
               <a:t>‹#›</a:t>
             </a:fld>
@@ -921,7 +921,7 @@
     </p:spTree>
     <p:extLst>
       <p:ext uri="{BB962C8B-B14F-4D97-AF65-F5344CB8AC3E}">
-        <p14:creationId xmlns:p14="http://schemas.microsoft.com/office/powerpoint/2010/main" val="3135850105"/>
+        <p14:creationId xmlns:p14="http://schemas.microsoft.com/office/powerpoint/2010/main" val="3009635020"/>
       </p:ext>
     </p:extLst>
   </p:cSld>
@@ -953,7 +953,7 @@
           <p:cNvPr id="2" name="标题 1">
             <a:extLst>
               <a:ext uri="{FF2B5EF4-FFF2-40B4-BE49-F238E27FC236}">
-                <a16:creationId xmlns:a16="http://schemas.microsoft.com/office/drawing/2014/main" id="{78836DF8-A599-5599-99B8-089FFA07A0AB}"/>
+                <a16:creationId xmlns:a16="http://schemas.microsoft.com/office/drawing/2014/main" id="{7371A197-9A88-6078-EB36-8A68E91A1AE4}"/>
               </a:ext>
             </a:extLst>
           </p:cNvPr>
@@ -990,7 +990,7 @@
           <p:cNvPr id="3" name="文本占位符 2">
             <a:extLst>
               <a:ext uri="{FF2B5EF4-FFF2-40B4-BE49-F238E27FC236}">
-                <a16:creationId xmlns:a16="http://schemas.microsoft.com/office/drawing/2014/main" id="{3345E1E7-56F2-3BC0-F93C-8C52967B32D8}"/>
+                <a16:creationId xmlns:a16="http://schemas.microsoft.com/office/drawing/2014/main" id="{639EFF29-DB2E-33B8-A88C-6C1573801AD7}"/>
               </a:ext>
             </a:extLst>
           </p:cNvPr>
@@ -1115,7 +1115,7 @@
           <p:cNvPr id="4" name="日期占位符 3">
             <a:extLst>
               <a:ext uri="{FF2B5EF4-FFF2-40B4-BE49-F238E27FC236}">
-                <a16:creationId xmlns:a16="http://schemas.microsoft.com/office/drawing/2014/main" id="{955F185D-3DDB-AAF2-CC1C-CE9641215B79}"/>
+                <a16:creationId xmlns:a16="http://schemas.microsoft.com/office/drawing/2014/main" id="{727627E5-AFB2-28E4-C7C5-F561224D239B}"/>
               </a:ext>
             </a:extLst>
           </p:cNvPr>
@@ -1131,7 +1131,7 @@
           <a:bodyPr/>
           <a:lstStyle/>
           <a:p>
-            <a:fld id="{563C9A11-E4EB-4513-90A7-DF4271158CC1}" type="datetimeFigureOut">
+            <a:fld id="{89580BE8-7C5E-49F0-A9F1-4BEDD3408DBF}" type="datetimeFigureOut">
               <a:rPr lang="zh-CN" altLang="en-US" smtClean="0"/>
               <a:t>2024/3/10</a:t>
             </a:fld>
@@ -1144,7 +1144,7 @@
           <p:cNvPr id="5" name="页脚占位符 4">
             <a:extLst>
               <a:ext uri="{FF2B5EF4-FFF2-40B4-BE49-F238E27FC236}">
-                <a16:creationId xmlns:a16="http://schemas.microsoft.com/office/drawing/2014/main" id="{488D03F2-C261-DC78-4F6B-2ECBE18313BB}"/>
+                <a16:creationId xmlns:a16="http://schemas.microsoft.com/office/drawing/2014/main" id="{51F2FB30-C59B-AF94-A59E-6CE0E9FAF9D7}"/>
               </a:ext>
             </a:extLst>
           </p:cNvPr>
@@ -1169,7 +1169,7 @@
           <p:cNvPr id="6" name="灯片编号占位符 5">
             <a:extLst>
               <a:ext uri="{FF2B5EF4-FFF2-40B4-BE49-F238E27FC236}">
-                <a16:creationId xmlns:a16="http://schemas.microsoft.com/office/drawing/2014/main" id="{4A697B0D-0D0E-BA50-CDD7-4D3454B1CA8E}"/>
+                <a16:creationId xmlns:a16="http://schemas.microsoft.com/office/drawing/2014/main" id="{3470E936-4473-F5D5-79EB-284FC070803E}"/>
               </a:ext>
             </a:extLst>
           </p:cNvPr>
@@ -1185,7 +1185,7 @@
           <a:bodyPr/>
           <a:lstStyle/>
           <a:p>
-            <a:fld id="{32A934DD-0EE2-42BA-ACEA-C559D9AD0B71}" type="slidenum">
+            <a:fld id="{4B556FC5-33F9-4CA3-B7C2-8F0C36ADAF8E}" type="slidenum">
               <a:rPr lang="zh-CN" altLang="en-US" smtClean="0"/>
               <a:t>‹#›</a:t>
             </a:fld>
@@ -1196,7 +1196,7 @@
     </p:spTree>
     <p:extLst>
       <p:ext uri="{BB962C8B-B14F-4D97-AF65-F5344CB8AC3E}">
-        <p14:creationId xmlns:p14="http://schemas.microsoft.com/office/powerpoint/2010/main" val="3167578074"/>
+        <p14:creationId xmlns:p14="http://schemas.microsoft.com/office/powerpoint/2010/main" val="1877730838"/>
       </p:ext>
     </p:extLst>
   </p:cSld>
@@ -1228,7 +1228,7 @@
           <p:cNvPr id="2" name="标题 1">
             <a:extLst>
               <a:ext uri="{FF2B5EF4-FFF2-40B4-BE49-F238E27FC236}">
-                <a16:creationId xmlns:a16="http://schemas.microsoft.com/office/drawing/2014/main" id="{20399552-8049-D49C-3DC0-073F60A1C97B}"/>
+                <a16:creationId xmlns:a16="http://schemas.microsoft.com/office/drawing/2014/main" id="{5E5ACA85-CDFB-927D-281D-4A6EACF1D0DF}"/>
               </a:ext>
             </a:extLst>
           </p:cNvPr>
@@ -1256,7 +1256,7 @@
           <p:cNvPr id="3" name="内容占位符 2">
             <a:extLst>
               <a:ext uri="{FF2B5EF4-FFF2-40B4-BE49-F238E27FC236}">
-                <a16:creationId xmlns:a16="http://schemas.microsoft.com/office/drawing/2014/main" id="{E1078FA3-AD14-0291-95ED-345534EE30AE}"/>
+                <a16:creationId xmlns:a16="http://schemas.microsoft.com/office/drawing/2014/main" id="{6D5E82DC-19FC-A1A5-918A-EC4CB2563012}"/>
               </a:ext>
             </a:extLst>
           </p:cNvPr>
@@ -1318,7 +1318,7 @@
           <p:cNvPr id="4" name="内容占位符 3">
             <a:extLst>
               <a:ext uri="{FF2B5EF4-FFF2-40B4-BE49-F238E27FC236}">
-                <a16:creationId xmlns:a16="http://schemas.microsoft.com/office/drawing/2014/main" id="{EA5B80B2-2589-99D2-09F6-CB53C514B281}"/>
+                <a16:creationId xmlns:a16="http://schemas.microsoft.com/office/drawing/2014/main" id="{61700672-4120-44F5-930C-D1D4FC52FEA9}"/>
               </a:ext>
             </a:extLst>
           </p:cNvPr>
@@ -1380,7 +1380,7 @@
           <p:cNvPr id="5" name="日期占位符 4">
             <a:extLst>
               <a:ext uri="{FF2B5EF4-FFF2-40B4-BE49-F238E27FC236}">
-                <a16:creationId xmlns:a16="http://schemas.microsoft.com/office/drawing/2014/main" id="{C817F571-8CAF-85A2-F764-EE029A73A8ED}"/>
+                <a16:creationId xmlns:a16="http://schemas.microsoft.com/office/drawing/2014/main" id="{7FEA6911-7577-8769-20C3-F74B8A82871B}"/>
               </a:ext>
             </a:extLst>
           </p:cNvPr>
@@ -1396,7 +1396,7 @@
           <a:bodyPr/>
           <a:lstStyle/>
           <a:p>
-            <a:fld id="{563C9A11-E4EB-4513-90A7-DF4271158CC1}" type="datetimeFigureOut">
+            <a:fld id="{89580BE8-7C5E-49F0-A9F1-4BEDD3408DBF}" type="datetimeFigureOut">
               <a:rPr lang="zh-CN" altLang="en-US" smtClean="0"/>
               <a:t>2024/3/10</a:t>
             </a:fld>
@@ -1409,7 +1409,7 @@
           <p:cNvPr id="6" name="页脚占位符 5">
             <a:extLst>
               <a:ext uri="{FF2B5EF4-FFF2-40B4-BE49-F238E27FC236}">
-                <a16:creationId xmlns:a16="http://schemas.microsoft.com/office/drawing/2014/main" id="{472C4EDB-A03A-BF7B-DE5F-1B94F844B3E4}"/>
+                <a16:creationId xmlns:a16="http://schemas.microsoft.com/office/drawing/2014/main" id="{A1868596-D0E5-AB8D-5123-93B5050EAF53}"/>
               </a:ext>
             </a:extLst>
           </p:cNvPr>
@@ -1434,7 +1434,7 @@
           <p:cNvPr id="7" name="灯片编号占位符 6">
             <a:extLst>
               <a:ext uri="{FF2B5EF4-FFF2-40B4-BE49-F238E27FC236}">
-                <a16:creationId xmlns:a16="http://schemas.microsoft.com/office/drawing/2014/main" id="{9C49E8DB-BF08-6BB6-6049-4D5D0C316987}"/>
+                <a16:creationId xmlns:a16="http://schemas.microsoft.com/office/drawing/2014/main" id="{0CC36C2B-2C25-4E22-3B98-5E2AA6C819C5}"/>
               </a:ext>
             </a:extLst>
           </p:cNvPr>
@@ -1450,7 +1450,7 @@
           <a:bodyPr/>
           <a:lstStyle/>
           <a:p>
-            <a:fld id="{32A934DD-0EE2-42BA-ACEA-C559D9AD0B71}" type="slidenum">
+            <a:fld id="{4B556FC5-33F9-4CA3-B7C2-8F0C36ADAF8E}" type="slidenum">
               <a:rPr lang="zh-CN" altLang="en-US" smtClean="0"/>
               <a:t>‹#›</a:t>
             </a:fld>
@@ -1461,7 +1461,7 @@
     </p:spTree>
     <p:extLst>
       <p:ext uri="{BB962C8B-B14F-4D97-AF65-F5344CB8AC3E}">
-        <p14:creationId xmlns:p14="http://schemas.microsoft.com/office/powerpoint/2010/main" val="3314830481"/>
+        <p14:creationId xmlns:p14="http://schemas.microsoft.com/office/powerpoint/2010/main" val="836514735"/>
       </p:ext>
     </p:extLst>
   </p:cSld>
@@ -1493,7 +1493,7 @@
           <p:cNvPr id="2" name="标题 1">
             <a:extLst>
               <a:ext uri="{FF2B5EF4-FFF2-40B4-BE49-F238E27FC236}">
-                <a16:creationId xmlns:a16="http://schemas.microsoft.com/office/drawing/2014/main" id="{82431DDE-DD34-D77F-03FF-EB16DD08A69D}"/>
+                <a16:creationId xmlns:a16="http://schemas.microsoft.com/office/drawing/2014/main" id="{C6FCDD27-C444-6694-FBED-FB931AFD33B6}"/>
               </a:ext>
             </a:extLst>
           </p:cNvPr>
@@ -1526,7 +1526,7 @@
           <p:cNvPr id="3" name="文本占位符 2">
             <a:extLst>
               <a:ext uri="{FF2B5EF4-FFF2-40B4-BE49-F238E27FC236}">
-                <a16:creationId xmlns:a16="http://schemas.microsoft.com/office/drawing/2014/main" id="{6D76F9D2-7589-1DDD-9ECF-52E4ABD97A01}"/>
+                <a16:creationId xmlns:a16="http://schemas.microsoft.com/office/drawing/2014/main" id="{F6AE8743-A2A1-80BA-A231-D19B31201C9B}"/>
               </a:ext>
             </a:extLst>
           </p:cNvPr>
@@ -1597,7 +1597,7 @@
           <p:cNvPr id="4" name="内容占位符 3">
             <a:extLst>
               <a:ext uri="{FF2B5EF4-FFF2-40B4-BE49-F238E27FC236}">
-                <a16:creationId xmlns:a16="http://schemas.microsoft.com/office/drawing/2014/main" id="{109EF362-665B-4C69-412B-78D16894B9E8}"/>
+                <a16:creationId xmlns:a16="http://schemas.microsoft.com/office/drawing/2014/main" id="{D3ACEF22-A927-F54C-99E0-82D4D0DDB9E3}"/>
               </a:ext>
             </a:extLst>
           </p:cNvPr>
@@ -1659,7 +1659,7 @@
           <p:cNvPr id="5" name="文本占位符 4">
             <a:extLst>
               <a:ext uri="{FF2B5EF4-FFF2-40B4-BE49-F238E27FC236}">
-                <a16:creationId xmlns:a16="http://schemas.microsoft.com/office/drawing/2014/main" id="{7DD90B87-E67E-F8A6-4CE9-44920812F13F}"/>
+                <a16:creationId xmlns:a16="http://schemas.microsoft.com/office/drawing/2014/main" id="{30E4AA2C-781F-C77C-1F6B-21372E866BBA}"/>
               </a:ext>
             </a:extLst>
           </p:cNvPr>
@@ -1730,7 +1730,7 @@
           <p:cNvPr id="6" name="内容占位符 5">
             <a:extLst>
               <a:ext uri="{FF2B5EF4-FFF2-40B4-BE49-F238E27FC236}">
-                <a16:creationId xmlns:a16="http://schemas.microsoft.com/office/drawing/2014/main" id="{0E888C09-1E1A-0712-8D86-A2E8A18AE7FC}"/>
+                <a16:creationId xmlns:a16="http://schemas.microsoft.com/office/drawing/2014/main" id="{0CD1FE75-4844-B6A1-CFC6-265AA11CE386}"/>
               </a:ext>
             </a:extLst>
           </p:cNvPr>
@@ -1792,7 +1792,7 @@
           <p:cNvPr id="7" name="日期占位符 6">
             <a:extLst>
               <a:ext uri="{FF2B5EF4-FFF2-40B4-BE49-F238E27FC236}">
-                <a16:creationId xmlns:a16="http://schemas.microsoft.com/office/drawing/2014/main" id="{8D5FA6AC-A6D3-890B-5FD1-992B38E48BDF}"/>
+                <a16:creationId xmlns:a16="http://schemas.microsoft.com/office/drawing/2014/main" id="{D7542837-3525-9937-15CA-52EA4973C592}"/>
               </a:ext>
             </a:extLst>
           </p:cNvPr>
@@ -1808,7 +1808,7 @@
           <a:bodyPr/>
           <a:lstStyle/>
           <a:p>
-            <a:fld id="{563C9A11-E4EB-4513-90A7-DF4271158CC1}" type="datetimeFigureOut">
+            <a:fld id="{89580BE8-7C5E-49F0-A9F1-4BEDD3408DBF}" type="datetimeFigureOut">
               <a:rPr lang="zh-CN" altLang="en-US" smtClean="0"/>
               <a:t>2024/3/10</a:t>
             </a:fld>
@@ -1821,7 +1821,7 @@
           <p:cNvPr id="8" name="页脚占位符 7">
             <a:extLst>
               <a:ext uri="{FF2B5EF4-FFF2-40B4-BE49-F238E27FC236}">
-                <a16:creationId xmlns:a16="http://schemas.microsoft.com/office/drawing/2014/main" id="{94E06768-8DA9-E043-3D1F-5488BE526A8F}"/>
+                <a16:creationId xmlns:a16="http://schemas.microsoft.com/office/drawing/2014/main" id="{E6981947-79B4-F7EB-1609-240A8EACB0CE}"/>
               </a:ext>
             </a:extLst>
           </p:cNvPr>
@@ -1846,7 +1846,7 @@
           <p:cNvPr id="9" name="灯片编号占位符 8">
             <a:extLst>
               <a:ext uri="{FF2B5EF4-FFF2-40B4-BE49-F238E27FC236}">
-                <a16:creationId xmlns:a16="http://schemas.microsoft.com/office/drawing/2014/main" id="{4D9B1E39-9231-D1BE-B5A9-EBA52868755E}"/>
+                <a16:creationId xmlns:a16="http://schemas.microsoft.com/office/drawing/2014/main" id="{9C3EF3BF-E036-3CAC-F4F8-9E99A41B7A87}"/>
               </a:ext>
             </a:extLst>
           </p:cNvPr>
@@ -1862,7 +1862,7 @@
           <a:bodyPr/>
           <a:lstStyle/>
           <a:p>
-            <a:fld id="{32A934DD-0EE2-42BA-ACEA-C559D9AD0B71}" type="slidenum">
+            <a:fld id="{4B556FC5-33F9-4CA3-B7C2-8F0C36ADAF8E}" type="slidenum">
               <a:rPr lang="zh-CN" altLang="en-US" smtClean="0"/>
               <a:t>‹#›</a:t>
             </a:fld>
@@ -1873,7 +1873,7 @@
     </p:spTree>
     <p:extLst>
       <p:ext uri="{BB962C8B-B14F-4D97-AF65-F5344CB8AC3E}">
-        <p14:creationId xmlns:p14="http://schemas.microsoft.com/office/powerpoint/2010/main" val="3060686514"/>
+        <p14:creationId xmlns:p14="http://schemas.microsoft.com/office/powerpoint/2010/main" val="2068781786"/>
       </p:ext>
     </p:extLst>
   </p:cSld>
@@ -1905,7 +1905,7 @@
           <p:cNvPr id="2" name="标题 1">
             <a:extLst>
               <a:ext uri="{FF2B5EF4-FFF2-40B4-BE49-F238E27FC236}">
-                <a16:creationId xmlns:a16="http://schemas.microsoft.com/office/drawing/2014/main" id="{C94B5F57-B16D-0349-4405-51B75171F8F8}"/>
+                <a16:creationId xmlns:a16="http://schemas.microsoft.com/office/drawing/2014/main" id="{C6723329-5D6A-25CA-AC5A-E458FF4A2FD3}"/>
               </a:ext>
             </a:extLst>
           </p:cNvPr>
@@ -1933,7 +1933,7 @@
           <p:cNvPr id="3" name="日期占位符 2">
             <a:extLst>
               <a:ext uri="{FF2B5EF4-FFF2-40B4-BE49-F238E27FC236}">
-                <a16:creationId xmlns:a16="http://schemas.microsoft.com/office/drawing/2014/main" id="{465B01A9-CD3E-A06A-12DF-2EB690F41A49}"/>
+                <a16:creationId xmlns:a16="http://schemas.microsoft.com/office/drawing/2014/main" id="{7040BF3B-94F4-F760-FD21-2BBF1098A589}"/>
               </a:ext>
             </a:extLst>
           </p:cNvPr>
@@ -1949,7 +1949,7 @@
           <a:bodyPr/>
           <a:lstStyle/>
           <a:p>
-            <a:fld id="{563C9A11-E4EB-4513-90A7-DF4271158CC1}" type="datetimeFigureOut">
+            <a:fld id="{89580BE8-7C5E-49F0-A9F1-4BEDD3408DBF}" type="datetimeFigureOut">
               <a:rPr lang="zh-CN" altLang="en-US" smtClean="0"/>
               <a:t>2024/3/10</a:t>
             </a:fld>
@@ -1962,7 +1962,7 @@
           <p:cNvPr id="4" name="页脚占位符 3">
             <a:extLst>
               <a:ext uri="{FF2B5EF4-FFF2-40B4-BE49-F238E27FC236}">
-                <a16:creationId xmlns:a16="http://schemas.microsoft.com/office/drawing/2014/main" id="{45A909EF-5361-514A-46AB-2BFB77199559}"/>
+                <a16:creationId xmlns:a16="http://schemas.microsoft.com/office/drawing/2014/main" id="{2D78C3C6-BA01-F185-F01F-72520B60E859}"/>
               </a:ext>
             </a:extLst>
           </p:cNvPr>
@@ -1987,7 +1987,7 @@
           <p:cNvPr id="5" name="灯片编号占位符 4">
             <a:extLst>
               <a:ext uri="{FF2B5EF4-FFF2-40B4-BE49-F238E27FC236}">
-                <a16:creationId xmlns:a16="http://schemas.microsoft.com/office/drawing/2014/main" id="{5816A24D-D456-AA91-BFFA-E08B3D980C2B}"/>
+                <a16:creationId xmlns:a16="http://schemas.microsoft.com/office/drawing/2014/main" id="{8487F5EA-3365-876B-0ACB-55F95934514F}"/>
               </a:ext>
             </a:extLst>
           </p:cNvPr>
@@ -2003,7 +2003,7 @@
           <a:bodyPr/>
           <a:lstStyle/>
           <a:p>
-            <a:fld id="{32A934DD-0EE2-42BA-ACEA-C559D9AD0B71}" type="slidenum">
+            <a:fld id="{4B556FC5-33F9-4CA3-B7C2-8F0C36ADAF8E}" type="slidenum">
               <a:rPr lang="zh-CN" altLang="en-US" smtClean="0"/>
               <a:t>‹#›</a:t>
             </a:fld>
@@ -2014,7 +2014,7 @@
     </p:spTree>
     <p:extLst>
       <p:ext uri="{BB962C8B-B14F-4D97-AF65-F5344CB8AC3E}">
-        <p14:creationId xmlns:p14="http://schemas.microsoft.com/office/powerpoint/2010/main" val="2895140567"/>
+        <p14:creationId xmlns:p14="http://schemas.microsoft.com/office/powerpoint/2010/main" val="2884711591"/>
       </p:ext>
     </p:extLst>
   </p:cSld>
@@ -2046,7 +2046,7 @@
           <p:cNvPr id="2" name="日期占位符 1">
             <a:extLst>
               <a:ext uri="{FF2B5EF4-FFF2-40B4-BE49-F238E27FC236}">
-                <a16:creationId xmlns:a16="http://schemas.microsoft.com/office/drawing/2014/main" id="{C6102D1B-96DA-81A5-44B0-2127479D104D}"/>
+                <a16:creationId xmlns:a16="http://schemas.microsoft.com/office/drawing/2014/main" id="{2491223D-B7F9-2DC4-9C5A-0C2D017137B9}"/>
               </a:ext>
             </a:extLst>
           </p:cNvPr>
@@ -2062,7 +2062,7 @@
           <a:bodyPr/>
           <a:lstStyle/>
           <a:p>
-            <a:fld id="{563C9A11-E4EB-4513-90A7-DF4271158CC1}" type="datetimeFigureOut">
+            <a:fld id="{89580BE8-7C5E-49F0-A9F1-4BEDD3408DBF}" type="datetimeFigureOut">
               <a:rPr lang="zh-CN" altLang="en-US" smtClean="0"/>
               <a:t>2024/3/10</a:t>
             </a:fld>
@@ -2075,7 +2075,7 @@
           <p:cNvPr id="3" name="页脚占位符 2">
             <a:extLst>
               <a:ext uri="{FF2B5EF4-FFF2-40B4-BE49-F238E27FC236}">
-                <a16:creationId xmlns:a16="http://schemas.microsoft.com/office/drawing/2014/main" id="{46515838-34CC-B8C8-DC11-A078000DB59F}"/>
+                <a16:creationId xmlns:a16="http://schemas.microsoft.com/office/drawing/2014/main" id="{BC2CE2C0-A934-752D-894D-E7EC0C6528FC}"/>
               </a:ext>
             </a:extLst>
           </p:cNvPr>
@@ -2100,7 +2100,7 @@
           <p:cNvPr id="4" name="灯片编号占位符 3">
             <a:extLst>
               <a:ext uri="{FF2B5EF4-FFF2-40B4-BE49-F238E27FC236}">
-                <a16:creationId xmlns:a16="http://schemas.microsoft.com/office/drawing/2014/main" id="{363EDF3D-196E-68D8-B10B-8EB960F2ED38}"/>
+                <a16:creationId xmlns:a16="http://schemas.microsoft.com/office/drawing/2014/main" id="{44382B59-4249-D508-F543-353CA625A383}"/>
               </a:ext>
             </a:extLst>
           </p:cNvPr>
@@ -2116,7 +2116,7 @@
           <a:bodyPr/>
           <a:lstStyle/>
           <a:p>
-            <a:fld id="{32A934DD-0EE2-42BA-ACEA-C559D9AD0B71}" type="slidenum">
+            <a:fld id="{4B556FC5-33F9-4CA3-B7C2-8F0C36ADAF8E}" type="slidenum">
               <a:rPr lang="zh-CN" altLang="en-US" smtClean="0"/>
               <a:t>‹#›</a:t>
             </a:fld>
@@ -2127,7 +2127,7 @@
     </p:spTree>
     <p:extLst>
       <p:ext uri="{BB962C8B-B14F-4D97-AF65-F5344CB8AC3E}">
-        <p14:creationId xmlns:p14="http://schemas.microsoft.com/office/powerpoint/2010/main" val="2915482046"/>
+        <p14:creationId xmlns:p14="http://schemas.microsoft.com/office/powerpoint/2010/main" val="73103498"/>
       </p:ext>
     </p:extLst>
   </p:cSld>
@@ -2159,7 +2159,7 @@
           <p:cNvPr id="2" name="标题 1">
             <a:extLst>
               <a:ext uri="{FF2B5EF4-FFF2-40B4-BE49-F238E27FC236}">
-                <a16:creationId xmlns:a16="http://schemas.microsoft.com/office/drawing/2014/main" id="{F0E33151-3F8A-37D3-C34E-EDD5A9FB7850}"/>
+                <a16:creationId xmlns:a16="http://schemas.microsoft.com/office/drawing/2014/main" id="{24967733-1735-2F8B-780E-35FDCADFAEFD}"/>
               </a:ext>
             </a:extLst>
           </p:cNvPr>
@@ -2196,7 +2196,7 @@
           <p:cNvPr id="3" name="内容占位符 2">
             <a:extLst>
               <a:ext uri="{FF2B5EF4-FFF2-40B4-BE49-F238E27FC236}">
-                <a16:creationId xmlns:a16="http://schemas.microsoft.com/office/drawing/2014/main" id="{F23D830B-D90D-B839-3222-00BB62BD70A4}"/>
+                <a16:creationId xmlns:a16="http://schemas.microsoft.com/office/drawing/2014/main" id="{302C4927-1DAC-C30F-8565-0F8BBCACF813}"/>
               </a:ext>
             </a:extLst>
           </p:cNvPr>
@@ -2286,7 +2286,7 @@
           <p:cNvPr id="4" name="文本占位符 3">
             <a:extLst>
               <a:ext uri="{FF2B5EF4-FFF2-40B4-BE49-F238E27FC236}">
-                <a16:creationId xmlns:a16="http://schemas.microsoft.com/office/drawing/2014/main" id="{F6FECF70-DA96-1909-5CA1-4287D9A0AD92}"/>
+                <a16:creationId xmlns:a16="http://schemas.microsoft.com/office/drawing/2014/main" id="{1D393BCF-22EF-24E0-1694-84B5EDAFC3E4}"/>
               </a:ext>
             </a:extLst>
           </p:cNvPr>
@@ -2357,7 +2357,7 @@
           <p:cNvPr id="5" name="日期占位符 4">
             <a:extLst>
               <a:ext uri="{FF2B5EF4-FFF2-40B4-BE49-F238E27FC236}">
-                <a16:creationId xmlns:a16="http://schemas.microsoft.com/office/drawing/2014/main" id="{D55C74CD-F1E8-BA12-5860-3A531778D057}"/>
+                <a16:creationId xmlns:a16="http://schemas.microsoft.com/office/drawing/2014/main" id="{E4D6B2A3-8BA9-5D49-42A1-E03159376BDC}"/>
               </a:ext>
             </a:extLst>
           </p:cNvPr>
@@ -2373,7 +2373,7 @@
           <a:bodyPr/>
           <a:lstStyle/>
           <a:p>
-            <a:fld id="{563C9A11-E4EB-4513-90A7-DF4271158CC1}" type="datetimeFigureOut">
+            <a:fld id="{89580BE8-7C5E-49F0-A9F1-4BEDD3408DBF}" type="datetimeFigureOut">
               <a:rPr lang="zh-CN" altLang="en-US" smtClean="0"/>
               <a:t>2024/3/10</a:t>
             </a:fld>
@@ -2386,7 +2386,7 @@
           <p:cNvPr id="6" name="页脚占位符 5">
             <a:extLst>
               <a:ext uri="{FF2B5EF4-FFF2-40B4-BE49-F238E27FC236}">
-                <a16:creationId xmlns:a16="http://schemas.microsoft.com/office/drawing/2014/main" id="{4483E5D2-8534-DEEA-DFF6-D813838B96E2}"/>
+                <a16:creationId xmlns:a16="http://schemas.microsoft.com/office/drawing/2014/main" id="{514394FB-805D-9E16-8628-EEC607B16625}"/>
               </a:ext>
             </a:extLst>
           </p:cNvPr>
@@ -2411,7 +2411,7 @@
           <p:cNvPr id="7" name="灯片编号占位符 6">
             <a:extLst>
               <a:ext uri="{FF2B5EF4-FFF2-40B4-BE49-F238E27FC236}">
-                <a16:creationId xmlns:a16="http://schemas.microsoft.com/office/drawing/2014/main" id="{66E7F660-33B7-68B9-72E6-6E0EF6433FC8}"/>
+                <a16:creationId xmlns:a16="http://schemas.microsoft.com/office/drawing/2014/main" id="{63BC6EF2-CA07-EF3E-3C88-3327445094AB}"/>
               </a:ext>
             </a:extLst>
           </p:cNvPr>
@@ -2427,7 +2427,7 @@
           <a:bodyPr/>
           <a:lstStyle/>
           <a:p>
-            <a:fld id="{32A934DD-0EE2-42BA-ACEA-C559D9AD0B71}" type="slidenum">
+            <a:fld id="{4B556FC5-33F9-4CA3-B7C2-8F0C36ADAF8E}" type="slidenum">
               <a:rPr lang="zh-CN" altLang="en-US" smtClean="0"/>
               <a:t>‹#›</a:t>
             </a:fld>
@@ -2438,7 +2438,7 @@
     </p:spTree>
     <p:extLst>
       <p:ext uri="{BB962C8B-B14F-4D97-AF65-F5344CB8AC3E}">
-        <p14:creationId xmlns:p14="http://schemas.microsoft.com/office/powerpoint/2010/main" val="3697379118"/>
+        <p14:creationId xmlns:p14="http://schemas.microsoft.com/office/powerpoint/2010/main" val="1430203353"/>
       </p:ext>
     </p:extLst>
   </p:cSld>
@@ -2470,7 +2470,7 @@
           <p:cNvPr id="2" name="标题 1">
             <a:extLst>
               <a:ext uri="{FF2B5EF4-FFF2-40B4-BE49-F238E27FC236}">
-                <a16:creationId xmlns:a16="http://schemas.microsoft.com/office/drawing/2014/main" id="{EBA3BD9C-8D20-FF90-D9E6-2A99036888C4}"/>
+                <a16:creationId xmlns:a16="http://schemas.microsoft.com/office/drawing/2014/main" id="{EE50C9BB-65DE-6E1A-9ED0-B740C84B6FD9}"/>
               </a:ext>
             </a:extLst>
           </p:cNvPr>
@@ -2507,7 +2507,7 @@
           <p:cNvPr id="3" name="图片占位符 2">
             <a:extLst>
               <a:ext uri="{FF2B5EF4-FFF2-40B4-BE49-F238E27FC236}">
-                <a16:creationId xmlns:a16="http://schemas.microsoft.com/office/drawing/2014/main" id="{97A56FDA-F164-E11F-5704-A7463CAE13E2}"/>
+                <a16:creationId xmlns:a16="http://schemas.microsoft.com/office/drawing/2014/main" id="{BB2B9CFD-F58E-A36D-E248-F870171902F5}"/>
               </a:ext>
             </a:extLst>
           </p:cNvPr>
@@ -2574,7 +2574,7 @@
           <p:cNvPr id="4" name="文本占位符 3">
             <a:extLst>
               <a:ext uri="{FF2B5EF4-FFF2-40B4-BE49-F238E27FC236}">
-                <a16:creationId xmlns:a16="http://schemas.microsoft.com/office/drawing/2014/main" id="{A9A4D246-BEDE-A97A-C5B9-8B27B27F2B39}"/>
+                <a16:creationId xmlns:a16="http://schemas.microsoft.com/office/drawing/2014/main" id="{7FD59D73-7EE2-7DC6-1395-807FEF7D5EBC}"/>
               </a:ext>
             </a:extLst>
           </p:cNvPr>
@@ -2645,7 +2645,7 @@
           <p:cNvPr id="5" name="日期占位符 4">
             <a:extLst>
               <a:ext uri="{FF2B5EF4-FFF2-40B4-BE49-F238E27FC236}">
-                <a16:creationId xmlns:a16="http://schemas.microsoft.com/office/drawing/2014/main" id="{298513CE-2974-9175-7D7B-9BA146D72EC7}"/>
+                <a16:creationId xmlns:a16="http://schemas.microsoft.com/office/drawing/2014/main" id="{EB4883A2-8C67-23DE-C491-D55F8899CE48}"/>
               </a:ext>
             </a:extLst>
           </p:cNvPr>
@@ -2661,7 +2661,7 @@
           <a:bodyPr/>
           <a:lstStyle/>
           <a:p>
-            <a:fld id="{563C9A11-E4EB-4513-90A7-DF4271158CC1}" type="datetimeFigureOut">
+            <a:fld id="{89580BE8-7C5E-49F0-A9F1-4BEDD3408DBF}" type="datetimeFigureOut">
               <a:rPr lang="zh-CN" altLang="en-US" smtClean="0"/>
               <a:t>2024/3/10</a:t>
             </a:fld>
@@ -2674,7 +2674,7 @@
           <p:cNvPr id="6" name="页脚占位符 5">
             <a:extLst>
               <a:ext uri="{FF2B5EF4-FFF2-40B4-BE49-F238E27FC236}">
-                <a16:creationId xmlns:a16="http://schemas.microsoft.com/office/drawing/2014/main" id="{58987F49-B40B-3D7F-FBE7-143FC94E42C7}"/>
+                <a16:creationId xmlns:a16="http://schemas.microsoft.com/office/drawing/2014/main" id="{DD990C72-20BD-6BE3-C316-C191378D3EA3}"/>
               </a:ext>
             </a:extLst>
           </p:cNvPr>
@@ -2699,7 +2699,7 @@
           <p:cNvPr id="7" name="灯片编号占位符 6">
             <a:extLst>
               <a:ext uri="{FF2B5EF4-FFF2-40B4-BE49-F238E27FC236}">
-                <a16:creationId xmlns:a16="http://schemas.microsoft.com/office/drawing/2014/main" id="{D0F3049D-3B37-5122-CDA5-EF99C48C99C1}"/>
+                <a16:creationId xmlns:a16="http://schemas.microsoft.com/office/drawing/2014/main" id="{D8133EBC-CAE9-C962-439D-4D2F571CBA35}"/>
               </a:ext>
             </a:extLst>
           </p:cNvPr>
@@ -2715,7 +2715,7 @@
           <a:bodyPr/>
           <a:lstStyle/>
           <a:p>
-            <a:fld id="{32A934DD-0EE2-42BA-ACEA-C559D9AD0B71}" type="slidenum">
+            <a:fld id="{4B556FC5-33F9-4CA3-B7C2-8F0C36ADAF8E}" type="slidenum">
               <a:rPr lang="zh-CN" altLang="en-US" smtClean="0"/>
               <a:t>‹#›</a:t>
             </a:fld>
@@ -2726,7 +2726,7 @@
     </p:spTree>
     <p:extLst>
       <p:ext uri="{BB962C8B-B14F-4D97-AF65-F5344CB8AC3E}">
-        <p14:creationId xmlns:p14="http://schemas.microsoft.com/office/powerpoint/2010/main" val="2005986807"/>
+        <p14:creationId xmlns:p14="http://schemas.microsoft.com/office/powerpoint/2010/main" val="3675432951"/>
       </p:ext>
     </p:extLst>
   </p:cSld>
@@ -2763,7 +2763,7 @@
           <p:cNvPr id="2" name="标题占位符 1">
             <a:extLst>
               <a:ext uri="{FF2B5EF4-FFF2-40B4-BE49-F238E27FC236}">
-                <a16:creationId xmlns:a16="http://schemas.microsoft.com/office/drawing/2014/main" id="{02A613EB-2296-6402-07A7-98C8EAD39125}"/>
+                <a16:creationId xmlns:a16="http://schemas.microsoft.com/office/drawing/2014/main" id="{B3A07F59-087D-BBC8-222E-2CD9BF1E625C}"/>
               </a:ext>
             </a:extLst>
           </p:cNvPr>
@@ -2801,7 +2801,7 @@
           <p:cNvPr id="3" name="文本占位符 2">
             <a:extLst>
               <a:ext uri="{FF2B5EF4-FFF2-40B4-BE49-F238E27FC236}">
-                <a16:creationId xmlns:a16="http://schemas.microsoft.com/office/drawing/2014/main" id="{7E689A25-5A78-718D-351F-04C74BC8DA75}"/>
+                <a16:creationId xmlns:a16="http://schemas.microsoft.com/office/drawing/2014/main" id="{47E53CAB-87C8-136C-13D4-6ABCA3B5B46A}"/>
               </a:ext>
             </a:extLst>
           </p:cNvPr>
@@ -2868,7 +2868,7 @@
           <p:cNvPr id="4" name="日期占位符 3">
             <a:extLst>
               <a:ext uri="{FF2B5EF4-FFF2-40B4-BE49-F238E27FC236}">
-                <a16:creationId xmlns:a16="http://schemas.microsoft.com/office/drawing/2014/main" id="{2E4E3227-F2B7-8BD6-AAC9-8B10CC41F946}"/>
+                <a16:creationId xmlns:a16="http://schemas.microsoft.com/office/drawing/2014/main" id="{8DF44965-CB50-3D0D-2826-4CA258E6F4BA}"/>
               </a:ext>
             </a:extLst>
           </p:cNvPr>
@@ -2902,7 +2902,7 @@
             </a:lvl1pPr>
           </a:lstStyle>
           <a:p>
-            <a:fld id="{563C9A11-E4EB-4513-90A7-DF4271158CC1}" type="datetimeFigureOut">
+            <a:fld id="{89580BE8-7C5E-49F0-A9F1-4BEDD3408DBF}" type="datetimeFigureOut">
               <a:rPr lang="zh-CN" altLang="en-US" smtClean="0"/>
               <a:t>2024/3/10</a:t>
             </a:fld>
@@ -2915,7 +2915,7 @@
           <p:cNvPr id="5" name="页脚占位符 4">
             <a:extLst>
               <a:ext uri="{FF2B5EF4-FFF2-40B4-BE49-F238E27FC236}">
-                <a16:creationId xmlns:a16="http://schemas.microsoft.com/office/drawing/2014/main" id="{CCBB174D-B733-481C-BA14-FB6A8FA95216}"/>
+                <a16:creationId xmlns:a16="http://schemas.microsoft.com/office/drawing/2014/main" id="{C77C5F13-AD83-2D25-2E7D-E86B7E1ECD80}"/>
               </a:ext>
             </a:extLst>
           </p:cNvPr>
@@ -2958,7 +2958,7 @@
           <p:cNvPr id="6" name="灯片编号占位符 5">
             <a:extLst>
               <a:ext uri="{FF2B5EF4-FFF2-40B4-BE49-F238E27FC236}">
-                <a16:creationId xmlns:a16="http://schemas.microsoft.com/office/drawing/2014/main" id="{26E7F07E-6F37-70BC-1DC8-05B95EE15DD5}"/>
+                <a16:creationId xmlns:a16="http://schemas.microsoft.com/office/drawing/2014/main" id="{295B7049-B925-6E69-592C-D73E066AEB24}"/>
               </a:ext>
             </a:extLst>
           </p:cNvPr>
@@ -2992,7 +2992,7 @@
             </a:lvl1pPr>
           </a:lstStyle>
           <a:p>
-            <a:fld id="{32A934DD-0EE2-42BA-ACEA-C559D9AD0B71}" type="slidenum">
+            <a:fld id="{4B556FC5-33F9-4CA3-B7C2-8F0C36ADAF8E}" type="slidenum">
               <a:rPr lang="zh-CN" altLang="en-US" smtClean="0"/>
               <a:t>‹#›</a:t>
             </a:fld>
@@ -3003,7 +3003,7 @@
     </p:spTree>
     <p:extLst>
       <p:ext uri="{BB962C8B-B14F-4D97-AF65-F5344CB8AC3E}">
-        <p14:creationId xmlns:p14="http://schemas.microsoft.com/office/powerpoint/2010/main" val="3812735088"/>
+        <p14:creationId xmlns:p14="http://schemas.microsoft.com/office/powerpoint/2010/main" val="4286983304"/>
       </p:ext>
     </p:extLst>
   </p:cSld>
